--- a/python/259_projects/portfolio/portfolio_01.pptx
+++ b/python/259_projects/portfolio/portfolio_01.pptx
@@ -5,23 +5,24 @@
     <p:sldMasterId id="2147483660" r:id="rId4"/>
   </p:sldMasterIdLst>
   <p:notesMasterIdLst>
-    <p:notesMasterId r:id="rId16"/>
+    <p:notesMasterId r:id="rId17"/>
   </p:notesMasterIdLst>
   <p:handoutMasterIdLst>
-    <p:handoutMasterId r:id="rId17"/>
+    <p:handoutMasterId r:id="rId18"/>
   </p:handoutMasterIdLst>
   <p:sldIdLst>
     <p:sldId id="257" r:id="rId5"/>
     <p:sldId id="268" r:id="rId6"/>
-    <p:sldId id="267" r:id="rId7"/>
-    <p:sldId id="269" r:id="rId8"/>
-    <p:sldId id="270" r:id="rId9"/>
-    <p:sldId id="259" r:id="rId10"/>
-    <p:sldId id="261" r:id="rId11"/>
-    <p:sldId id="262" r:id="rId12"/>
-    <p:sldId id="263" r:id="rId13"/>
-    <p:sldId id="271" r:id="rId14"/>
-    <p:sldId id="265" r:id="rId15"/>
+    <p:sldId id="272" r:id="rId7"/>
+    <p:sldId id="267" r:id="rId8"/>
+    <p:sldId id="269" r:id="rId9"/>
+    <p:sldId id="270" r:id="rId10"/>
+    <p:sldId id="259" r:id="rId11"/>
+    <p:sldId id="261" r:id="rId12"/>
+    <p:sldId id="262" r:id="rId13"/>
+    <p:sldId id="263" r:id="rId14"/>
+    <p:sldId id="271" r:id="rId15"/>
+    <p:sldId id="265" r:id="rId16"/>
   </p:sldIdLst>
   <p:sldSz cx="12188825" cy="6858000"/>
   <p:notesSz cx="6858000" cy="9144000"/>
@@ -5588,7 +5589,7 @@
           <a:p>
             <a:fld id="{3EBA5BD7-F043-4D1B-AA17-CD412FC534DE}" type="slidenum">
               <a:rPr lang="en-US" smtClean="0"/>
-              <a:t>5</a:t>
+              <a:t>6</a:t>
             </a:fld>
             <a:endParaRPr lang="en-US"/>
           </a:p>
@@ -10152,6 +10153,48 @@
 </file>
 
 <file path=ppt/slides/slide10.xml><?xml version="1.0" encoding="utf-8"?>
+<p:sld xmlns:a="http://schemas.openxmlformats.org/drawingml/2006/main" xmlns:r="http://schemas.openxmlformats.org/officeDocument/2006/relationships" xmlns:p="http://schemas.openxmlformats.org/presentationml/2006/main" show="0">
+  <p:cSld>
+    <p:spTree>
+      <p:nvGrpSpPr>
+        <p:cNvPr id="1" name=""/>
+        <p:cNvGrpSpPr/>
+        <p:nvPr/>
+      </p:nvGrpSpPr>
+      <p:grpSpPr>
+        <a:xfrm>
+          <a:off x="0" y="0"/>
+          <a:ext cx="0" cy="0"/>
+          <a:chOff x="0" y="0"/>
+          <a:chExt cx="0" cy="0"/>
+        </a:xfrm>
+      </p:grpSpPr>
+    </p:spTree>
+    <p:extLst>
+      <p:ext uri="{BB962C8B-B14F-4D97-AF65-F5344CB8AC3E}">
+        <p14:creationId xmlns:p14="http://schemas.microsoft.com/office/powerpoint/2010/main" val="1405850135"/>
+      </p:ext>
+    </p:extLst>
+  </p:cSld>
+  <p:clrMapOvr>
+    <a:masterClrMapping/>
+  </p:clrMapOvr>
+  <mc:AlternateContent xmlns:mc="http://schemas.openxmlformats.org/markup-compatibility/2006">
+    <mc:Choice xmlns:p14="http://schemas.microsoft.com/office/powerpoint/2010/main" Requires="p14">
+      <p:transition spd="med" p14:dur="700">
+        <p:fade/>
+      </p:transition>
+    </mc:Choice>
+    <mc:Fallback>
+      <p:transition spd="med">
+        <p:fade/>
+      </p:transition>
+    </mc:Fallback>
+  </mc:AlternateContent>
+</p:sld>
+</file>
+
+<file path=ppt/slides/slide11.xml><?xml version="1.0" encoding="utf-8"?>
 <p:sld xmlns:a="http://schemas.openxmlformats.org/drawingml/2006/main" xmlns:r="http://schemas.openxmlformats.org/officeDocument/2006/relationships" xmlns:p="http://schemas.openxmlformats.org/presentationml/2006/main">
   <p:cSld>
     <p:spTree>
@@ -10253,7 +10296,7 @@
 </p:sld>
 </file>
 
-<file path=ppt/slides/slide11.xml><?xml version="1.0" encoding="utf-8"?>
+<file path=ppt/slides/slide12.xml><?xml version="1.0" encoding="utf-8"?>
 <p:sld xmlns:a="http://schemas.openxmlformats.org/drawingml/2006/main" xmlns:r="http://schemas.openxmlformats.org/officeDocument/2006/relationships" xmlns:p="http://schemas.openxmlformats.org/presentationml/2006/main">
   <p:cSld>
     <p:spTree>
@@ -10388,10 +10431,9 @@
           <a:lstStyle/>
           <a:p>
             <a:r>
-              <a:rPr lang="en-US"/>
-              <a:t>Title and Content Layout with List</a:t>
+              <a:rPr lang="en-US" dirty="0"/>
+              <a:t>Server-Side Web Development with Python, Flask, and Jinja</a:t>
             </a:r>
-            <a:endParaRPr lang="en-US" dirty="0"/>
           </a:p>
         </p:txBody>
       </p:sp>
@@ -10407,26 +10449,79 @@
         </p:nvSpPr>
         <p:spPr/>
         <p:txBody>
-          <a:bodyPr/>
+          <a:bodyPr>
+            <a:normAutofit/>
+          </a:bodyPr>
           <a:lstStyle/>
           <a:p>
             <a:r>
-              <a:rPr lang="en-US"/>
-              <a:t>Add your first bullet point here</a:t>
+              <a:rPr lang="en-US" dirty="0"/>
+              <a:t>Task 01 - </a:t>
             </a:r>
-          </a:p>
-          <a:p>
             <a:r>
-              <a:rPr lang="en-US"/>
-              <a:t>Add your second bullet point here</a:t>
+              <a:rPr lang="en-US" sz="2000" dirty="0"/>
+              <a:t>Create and use a virtual environment</a:t>
             </a:r>
           </a:p>
           <a:p>
             <a:r>
-              <a:rPr lang="en-US"/>
-              <a:t>Add your third bullet point here</a:t>
+              <a:rPr lang="en-US" dirty="0"/>
+              <a:t>Task 02 - </a:t>
             </a:r>
-            <a:endParaRPr lang="en-US" dirty="0"/>
+            <a:r>
+              <a:rPr lang="en-US" sz="2000" dirty="0"/>
+              <a:t>Create a requirements file that can be used to fetch dependencies for a project</a:t>
+            </a:r>
+          </a:p>
+          <a:p>
+            <a:r>
+              <a:rPr lang="en-US" dirty="0"/>
+              <a:t>Task 03 - </a:t>
+            </a:r>
+            <a:r>
+              <a:rPr lang="en-US" sz="2000" dirty="0"/>
+              <a:t>Build a working Flask route that utilizes URL variables</a:t>
+            </a:r>
+          </a:p>
+          <a:p>
+            <a:r>
+              <a:rPr lang="en-US" dirty="0"/>
+              <a:t>Task 04 - </a:t>
+            </a:r>
+            <a:r>
+              <a:rPr lang="en-US" sz="2000" dirty="0"/>
+              <a:t>Build a Jinja template that properly utilizes a template conditional statement and/or a template loop</a:t>
+            </a:r>
+          </a:p>
+          <a:p>
+            <a:r>
+              <a:rPr lang="en-US" dirty="0"/>
+              <a:t>Task 05 - </a:t>
+            </a:r>
+            <a:r>
+              <a:rPr lang="en-US" sz="2000" dirty="0"/>
+              <a:t>Build a Jinja template that inherits from another base template  </a:t>
+            </a:r>
+          </a:p>
+          <a:p>
+            <a:r>
+              <a:rPr lang="en-US" dirty="0"/>
+              <a:t>Task 06 - </a:t>
+            </a:r>
+            <a:r>
+              <a:rPr lang="en-US" sz="2000" dirty="0"/>
+              <a:t>Read and utilize data from a form submission</a:t>
+            </a:r>
+          </a:p>
+          <a:p>
+            <a:r>
+              <a:rPr lang="en-US" dirty="0"/>
+              <a:t>Task 07 - </a:t>
+            </a:r>
+            <a:r>
+              <a:rPr lang="en-US" sz="2000" dirty="0"/>
+              <a:t>Properly implement CSRF (Cross-site Request Forgery) Protection</a:t>
+            </a:r>
           </a:p>
         </p:txBody>
       </p:sp>
@@ -10457,6 +10552,138 @@
 
 <file path=ppt/slides/slide3.xml><?xml version="1.0" encoding="utf-8"?>
 <p:sld xmlns:a="http://schemas.openxmlformats.org/drawingml/2006/main" xmlns:r="http://schemas.openxmlformats.org/officeDocument/2006/relationships" xmlns:p="http://schemas.openxmlformats.org/presentationml/2006/main">
+  <p:cSld>
+    <p:spTree>
+      <p:nvGrpSpPr>
+        <p:cNvPr id="1" name="">
+          <a:extLst>
+            <a:ext uri="{FF2B5EF4-FFF2-40B4-BE49-F238E27FC236}">
+              <a16:creationId xmlns:a16="http://schemas.microsoft.com/office/drawing/2014/main" id="{53CAAD94-2864-365D-C214-F8995607A671}"/>
+            </a:ext>
+          </a:extLst>
+        </p:cNvPr>
+        <p:cNvGrpSpPr/>
+        <p:nvPr/>
+      </p:nvGrpSpPr>
+      <p:grpSpPr>
+        <a:xfrm>
+          <a:off x="0" y="0"/>
+          <a:ext cx="0" cy="0"/>
+          <a:chOff x="0" y="0"/>
+          <a:chExt cx="0" cy="0"/>
+        </a:xfrm>
+      </p:grpSpPr>
+      <p:sp>
+        <p:nvSpPr>
+          <p:cNvPr id="13" name="Title 12">
+            <a:extLst>
+              <a:ext uri="{FF2B5EF4-FFF2-40B4-BE49-F238E27FC236}">
+                <a16:creationId xmlns:a16="http://schemas.microsoft.com/office/drawing/2014/main" id="{D9ADBED8-B37F-B32E-A337-08DA416EE152}"/>
+              </a:ext>
+            </a:extLst>
+          </p:cNvPr>
+          <p:cNvSpPr>
+            <a:spLocks noGrp="1"/>
+          </p:cNvSpPr>
+          <p:nvPr>
+            <p:ph type="title"/>
+          </p:nvPr>
+        </p:nvSpPr>
+        <p:spPr/>
+        <p:txBody>
+          <a:bodyPr/>
+          <a:lstStyle/>
+          <a:p>
+            <a:r>
+              <a:rPr lang="en-US" dirty="0"/>
+              <a:t>Server-Side Web Development with Python, Flask, and Jinja</a:t>
+            </a:r>
+          </a:p>
+        </p:txBody>
+      </p:sp>
+      <p:sp>
+        <p:nvSpPr>
+          <p:cNvPr id="14" name="Content Placeholder 13">
+            <a:extLst>
+              <a:ext uri="{FF2B5EF4-FFF2-40B4-BE49-F238E27FC236}">
+                <a16:creationId xmlns:a16="http://schemas.microsoft.com/office/drawing/2014/main" id="{8F65FF74-6D29-8A13-6DC5-7A665EDC7690}"/>
+              </a:ext>
+            </a:extLst>
+          </p:cNvPr>
+          <p:cNvSpPr>
+            <a:spLocks noGrp="1"/>
+          </p:cNvSpPr>
+          <p:nvPr>
+            <p:ph idx="1"/>
+          </p:nvPr>
+        </p:nvSpPr>
+        <p:spPr/>
+        <p:txBody>
+          <a:bodyPr>
+            <a:normAutofit/>
+          </a:bodyPr>
+          <a:lstStyle/>
+          <a:p>
+            <a:r>
+              <a:rPr lang="en-US" dirty="0"/>
+              <a:t>Task 08 - </a:t>
+            </a:r>
+            <a:r>
+              <a:rPr lang="en-US" sz="2000" dirty="0"/>
+              <a:t>Properly utilize the </a:t>
+            </a:r>
+            <a:r>
+              <a:rPr lang="en-US" sz="2000" i="1" dirty="0" err="1"/>
+              <a:t>url_for</a:t>
+            </a:r>
+            <a:r>
+              <a:rPr lang="en-US" sz="2000" i="1" dirty="0"/>
+              <a:t>() </a:t>
+            </a:r>
+            <a:r>
+              <a:rPr lang="en-US" sz="2000" dirty="0"/>
+              <a:t>function</a:t>
+            </a:r>
+          </a:p>
+          <a:p>
+            <a:r>
+              <a:rPr lang="en-US" dirty="0"/>
+              <a:t>Task 09 - </a:t>
+            </a:r>
+            <a:r>
+              <a:rPr lang="en-US" sz="2000" dirty="0"/>
+              <a:t>Properly implement form validation error display within a Jinja template</a:t>
+            </a:r>
+          </a:p>
+        </p:txBody>
+      </p:sp>
+    </p:spTree>
+    <p:extLst>
+      <p:ext uri="{BB962C8B-B14F-4D97-AF65-F5344CB8AC3E}">
+        <p14:creationId xmlns:p14="http://schemas.microsoft.com/office/powerpoint/2010/main" val="4090764514"/>
+      </p:ext>
+    </p:extLst>
+  </p:cSld>
+  <p:clrMapOvr>
+    <a:masterClrMapping/>
+  </p:clrMapOvr>
+  <mc:AlternateContent xmlns:mc="http://schemas.openxmlformats.org/markup-compatibility/2006">
+    <mc:Choice xmlns:p14="http://schemas.microsoft.com/office/powerpoint/2010/main" Requires="p14">
+      <p:transition spd="med" p14:dur="700">
+        <p:fade/>
+      </p:transition>
+    </mc:Choice>
+    <mc:Fallback>
+      <p:transition spd="med">
+        <p:fade/>
+      </p:transition>
+    </mc:Fallback>
+  </mc:AlternateContent>
+</p:sld>
+</file>
+
+<file path=ppt/slides/slide4.xml><?xml version="1.0" encoding="utf-8"?>
+<p:sld xmlns:a="http://schemas.openxmlformats.org/drawingml/2006/main" xmlns:r="http://schemas.openxmlformats.org/officeDocument/2006/relationships" xmlns:p="http://schemas.openxmlformats.org/presentationml/2006/main" show="0">
   <p:cSld>
     <p:spTree>
       <p:nvGrpSpPr>
@@ -10529,13 +10756,13 @@
   <p:clrMapOvr>
     <a:masterClrMapping/>
   </p:clrMapOvr>
-  <mc:AlternateContent xmlns:mc="http://schemas.openxmlformats.org/markup-compatibility/2006" xmlns:p14="http://schemas.microsoft.com/office/powerpoint/2010/main">
-    <mc:Choice Requires="p14">
+  <mc:AlternateContent xmlns:mc="http://schemas.openxmlformats.org/markup-compatibility/2006">
+    <mc:Choice xmlns:p14="http://schemas.microsoft.com/office/powerpoint/2010/main" Requires="p14">
       <p:transition spd="med" p14:dur="700">
         <p:fade/>
       </p:transition>
     </mc:Choice>
-    <mc:Fallback xmlns="">
+    <mc:Fallback>
       <p:transition spd="med">
         <p:fade/>
       </p:transition>
@@ -10544,7 +10771,7 @@
 </p:sld>
 </file>
 
-<file path=ppt/slides/slide4.xml><?xml version="1.0" encoding="utf-8"?>
+<file path=ppt/slides/slide5.xml><?xml version="1.0" encoding="utf-8"?>
 <p:sld xmlns:a="http://schemas.openxmlformats.org/drawingml/2006/main" xmlns:r="http://schemas.openxmlformats.org/officeDocument/2006/relationships" xmlns:p="http://schemas.openxmlformats.org/presentationml/2006/main">
   <p:cSld>
     <p:spTree>
@@ -10898,7 +11125,7 @@
 </p:sld>
 </file>
 
-<file path=ppt/slides/slide5.xml><?xml version="1.0" encoding="utf-8"?>
+<file path=ppt/slides/slide6.xml><?xml version="1.0" encoding="utf-8"?>
 <p:sld xmlns:a="http://schemas.openxmlformats.org/drawingml/2006/main" xmlns:r="http://schemas.openxmlformats.org/officeDocument/2006/relationships" xmlns:p="http://schemas.openxmlformats.org/presentationml/2006/main">
   <p:cSld>
     <p:spTree>
@@ -11021,7 +11248,7 @@
 </p:sld>
 </file>
 
-<file path=ppt/slides/slide6.xml><?xml version="1.0" encoding="utf-8"?>
+<file path=ppt/slides/slide7.xml><?xml version="1.0" encoding="utf-8"?>
 <p:sld xmlns:a="http://schemas.openxmlformats.org/drawingml/2006/main" xmlns:r="http://schemas.openxmlformats.org/officeDocument/2006/relationships" xmlns:p="http://schemas.openxmlformats.org/presentationml/2006/main">
   <p:cSld>
     <p:spTree>
@@ -11083,146 +11310,6 @@
     <p:extLst>
       <p:ext uri="{BB962C8B-B14F-4D97-AF65-F5344CB8AC3E}">
         <p14:creationId xmlns:p14="http://schemas.microsoft.com/office/powerpoint/2010/main" val="4264977537"/>
-      </p:ext>
-    </p:extLst>
-  </p:cSld>
-  <p:clrMapOvr>
-    <a:masterClrMapping/>
-  </p:clrMapOvr>
-  <mc:AlternateContent xmlns:mc="http://schemas.openxmlformats.org/markup-compatibility/2006" xmlns:p14="http://schemas.microsoft.com/office/powerpoint/2010/main">
-    <mc:Choice Requires="p14">
-      <p:transition spd="med" p14:dur="700">
-        <p:fade/>
-      </p:transition>
-    </mc:Choice>
-    <mc:Fallback xmlns="">
-      <p:transition spd="med">
-        <p:fade/>
-      </p:transition>
-    </mc:Fallback>
-  </mc:AlternateContent>
-</p:sld>
-</file>
-
-<file path=ppt/slides/slide7.xml><?xml version="1.0" encoding="utf-8"?>
-<p:sld xmlns:a="http://schemas.openxmlformats.org/drawingml/2006/main" xmlns:r="http://schemas.openxmlformats.org/officeDocument/2006/relationships" xmlns:p="http://schemas.openxmlformats.org/presentationml/2006/main">
-  <p:cSld>
-    <p:spTree>
-      <p:nvGrpSpPr>
-        <p:cNvPr id="1" name=""/>
-        <p:cNvGrpSpPr/>
-        <p:nvPr/>
-      </p:nvGrpSpPr>
-      <p:grpSpPr>
-        <a:xfrm>
-          <a:off x="0" y="0"/>
-          <a:ext cx="0" cy="0"/>
-          <a:chOff x="0" y="0"/>
-          <a:chExt cx="0" cy="0"/>
-        </a:xfrm>
-      </p:grpSpPr>
-      <p:sp>
-        <p:nvSpPr>
-          <p:cNvPr id="7" name="Title 6"/>
-          <p:cNvSpPr>
-            <a:spLocks noGrp="1"/>
-          </p:cNvSpPr>
-          <p:nvPr>
-            <p:ph type="title"/>
-          </p:nvPr>
-        </p:nvSpPr>
-        <p:spPr/>
-        <p:txBody>
-          <a:bodyPr/>
-          <a:lstStyle/>
-          <a:p>
-            <a:r>
-              <a:rPr lang="en-US" dirty="0"/>
-              <a:t>Add a Slide Title - 2</a:t>
-            </a:r>
-          </a:p>
-        </p:txBody>
-      </p:sp>
-      <p:sp>
-        <p:nvSpPr>
-          <p:cNvPr id="8" name="Text Placeholder 7"/>
-          <p:cNvSpPr>
-            <a:spLocks noGrp="1"/>
-          </p:cNvSpPr>
-          <p:nvPr>
-            <p:ph type="body" idx="1"/>
-          </p:nvPr>
-        </p:nvSpPr>
-        <p:spPr/>
-        <p:txBody>
-          <a:bodyPr/>
-          <a:lstStyle/>
-          <a:p>
-            <a:endParaRPr lang="en-US" dirty="0"/>
-          </a:p>
-        </p:txBody>
-      </p:sp>
-      <p:sp>
-        <p:nvSpPr>
-          <p:cNvPr id="10" name="Content Placeholder 9"/>
-          <p:cNvSpPr>
-            <a:spLocks noGrp="1"/>
-          </p:cNvSpPr>
-          <p:nvPr>
-            <p:ph sz="half" idx="2"/>
-          </p:nvPr>
-        </p:nvSpPr>
-        <p:spPr/>
-        <p:txBody>
-          <a:bodyPr/>
-          <a:lstStyle/>
-          <a:p>
-            <a:endParaRPr lang="en-US" dirty="0"/>
-          </a:p>
-        </p:txBody>
-      </p:sp>
-      <p:sp>
-        <p:nvSpPr>
-          <p:cNvPr id="9" name="Text Placeholder 8"/>
-          <p:cNvSpPr>
-            <a:spLocks noGrp="1"/>
-          </p:cNvSpPr>
-          <p:nvPr>
-            <p:ph type="body" sz="quarter" idx="3"/>
-          </p:nvPr>
-        </p:nvSpPr>
-        <p:spPr/>
-        <p:txBody>
-          <a:bodyPr/>
-          <a:lstStyle/>
-          <a:p>
-            <a:endParaRPr lang="en-US" dirty="0"/>
-          </a:p>
-        </p:txBody>
-      </p:sp>
-      <p:sp>
-        <p:nvSpPr>
-          <p:cNvPr id="11" name="Content Placeholder 10"/>
-          <p:cNvSpPr>
-            <a:spLocks noGrp="1"/>
-          </p:cNvSpPr>
-          <p:nvPr>
-            <p:ph sz="quarter" idx="4"/>
-          </p:nvPr>
-        </p:nvSpPr>
-        <p:spPr/>
-        <p:txBody>
-          <a:bodyPr/>
-          <a:lstStyle/>
-          <a:p>
-            <a:endParaRPr lang="en-US" dirty="0"/>
-          </a:p>
-        </p:txBody>
-      </p:sp>
-    </p:spTree>
-    <p:extLst>
-      <p:ext uri="{BB962C8B-B14F-4D97-AF65-F5344CB8AC3E}">
-        <p14:creationId xmlns:p14="http://schemas.microsoft.com/office/powerpoint/2010/main" val="2672039197"/>
       </p:ext>
     </p:extLst>
   </p:cSld>
@@ -11263,7 +11350,7 @@
       </p:grpSpPr>
       <p:sp>
         <p:nvSpPr>
-          <p:cNvPr id="3" name="Title 2"/>
+          <p:cNvPr id="7" name="Title 6"/>
           <p:cNvSpPr>
             <a:spLocks noGrp="1"/>
           </p:cNvSpPr>
@@ -11278,15 +11365,91 @@
           <a:p>
             <a:r>
               <a:rPr lang="en-US" dirty="0"/>
-              <a:t>Add a Slide Title - 3</a:t>
+              <a:t>Add a Slide Title - 2</a:t>
             </a:r>
+          </a:p>
+        </p:txBody>
+      </p:sp>
+      <p:sp>
+        <p:nvSpPr>
+          <p:cNvPr id="8" name="Text Placeholder 7"/>
+          <p:cNvSpPr>
+            <a:spLocks noGrp="1"/>
+          </p:cNvSpPr>
+          <p:nvPr>
+            <p:ph type="body" idx="1"/>
+          </p:nvPr>
+        </p:nvSpPr>
+        <p:spPr/>
+        <p:txBody>
+          <a:bodyPr/>
+          <a:lstStyle/>
+          <a:p>
+            <a:endParaRPr lang="en-US" dirty="0"/>
+          </a:p>
+        </p:txBody>
+      </p:sp>
+      <p:sp>
+        <p:nvSpPr>
+          <p:cNvPr id="10" name="Content Placeholder 9"/>
+          <p:cNvSpPr>
+            <a:spLocks noGrp="1"/>
+          </p:cNvSpPr>
+          <p:nvPr>
+            <p:ph sz="half" idx="2"/>
+          </p:nvPr>
+        </p:nvSpPr>
+        <p:spPr/>
+        <p:txBody>
+          <a:bodyPr/>
+          <a:lstStyle/>
+          <a:p>
+            <a:endParaRPr lang="en-US" dirty="0"/>
+          </a:p>
+        </p:txBody>
+      </p:sp>
+      <p:sp>
+        <p:nvSpPr>
+          <p:cNvPr id="9" name="Text Placeholder 8"/>
+          <p:cNvSpPr>
+            <a:spLocks noGrp="1"/>
+          </p:cNvSpPr>
+          <p:nvPr>
+            <p:ph type="body" sz="quarter" idx="3"/>
+          </p:nvPr>
+        </p:nvSpPr>
+        <p:spPr/>
+        <p:txBody>
+          <a:bodyPr/>
+          <a:lstStyle/>
+          <a:p>
+            <a:endParaRPr lang="en-US" dirty="0"/>
+          </a:p>
+        </p:txBody>
+      </p:sp>
+      <p:sp>
+        <p:nvSpPr>
+          <p:cNvPr id="11" name="Content Placeholder 10"/>
+          <p:cNvSpPr>
+            <a:spLocks noGrp="1"/>
+          </p:cNvSpPr>
+          <p:nvPr>
+            <p:ph sz="quarter" idx="4"/>
+          </p:nvPr>
+        </p:nvSpPr>
+        <p:spPr/>
+        <p:txBody>
+          <a:bodyPr/>
+          <a:lstStyle/>
+          <a:p>
+            <a:endParaRPr lang="en-US" dirty="0"/>
           </a:p>
         </p:txBody>
       </p:sp>
     </p:spTree>
     <p:extLst>
       <p:ext uri="{BB962C8B-B14F-4D97-AF65-F5344CB8AC3E}">
-        <p14:creationId xmlns:p14="http://schemas.microsoft.com/office/powerpoint/2010/main" val="397710800"/>
+        <p14:creationId xmlns:p14="http://schemas.microsoft.com/office/powerpoint/2010/main" val="2672039197"/>
       </p:ext>
     </p:extLst>
   </p:cSld>
@@ -11309,7 +11472,7 @@
 </file>
 
 <file path=ppt/slides/slide9.xml><?xml version="1.0" encoding="utf-8"?>
-<p:sld xmlns:a="http://schemas.openxmlformats.org/drawingml/2006/main" xmlns:r="http://schemas.openxmlformats.org/officeDocument/2006/relationships" xmlns:p="http://schemas.openxmlformats.org/presentationml/2006/main">
+<p:sld xmlns:a="http://schemas.openxmlformats.org/drawingml/2006/main" xmlns:r="http://schemas.openxmlformats.org/officeDocument/2006/relationships" xmlns:p="http://schemas.openxmlformats.org/presentationml/2006/main" show="0">
   <p:cSld>
     <p:spTree>
       <p:nvGrpSpPr>
@@ -11325,23 +11488,45 @@
           <a:chExt cx="0" cy="0"/>
         </a:xfrm>
       </p:grpSpPr>
+      <p:sp>
+        <p:nvSpPr>
+          <p:cNvPr id="3" name="Title 2"/>
+          <p:cNvSpPr>
+            <a:spLocks noGrp="1"/>
+          </p:cNvSpPr>
+          <p:nvPr>
+            <p:ph type="title"/>
+          </p:nvPr>
+        </p:nvSpPr>
+        <p:spPr/>
+        <p:txBody>
+          <a:bodyPr/>
+          <a:lstStyle/>
+          <a:p>
+            <a:r>
+              <a:rPr lang="en-US" dirty="0"/>
+              <a:t>Add a Slide Title - 3</a:t>
+            </a:r>
+          </a:p>
+        </p:txBody>
+      </p:sp>
     </p:spTree>
     <p:extLst>
       <p:ext uri="{BB962C8B-B14F-4D97-AF65-F5344CB8AC3E}">
-        <p14:creationId xmlns:p14="http://schemas.microsoft.com/office/powerpoint/2010/main" val="1405850135"/>
+        <p14:creationId xmlns:p14="http://schemas.microsoft.com/office/powerpoint/2010/main" val="397710800"/>
       </p:ext>
     </p:extLst>
   </p:cSld>
   <p:clrMapOvr>
     <a:masterClrMapping/>
   </p:clrMapOvr>
-  <mc:AlternateContent xmlns:mc="http://schemas.openxmlformats.org/markup-compatibility/2006" xmlns:p14="http://schemas.microsoft.com/office/powerpoint/2010/main">
-    <mc:Choice Requires="p14">
+  <mc:AlternateContent xmlns:mc="http://schemas.openxmlformats.org/markup-compatibility/2006">
+    <mc:Choice xmlns:p14="http://schemas.microsoft.com/office/powerpoint/2010/main" Requires="p14">
       <p:transition spd="med" p14:dur="700">
         <p:fade/>
       </p:transition>
     </mc:Choice>
-    <mc:Fallback xmlns="">
+    <mc:Fallback>
       <p:transition spd="med">
         <p:fade/>
       </p:transition>
@@ -12301,142 +12486,6 @@
 </file>
 
 <file path=customXml/item1.xml><?xml version="1.0" encoding="utf-8"?>
-<p:properties xmlns:p="http://schemas.microsoft.com/office/2006/metadata/properties" xmlns:xsi="http://www.w3.org/2001/XMLSchema-instance" xmlns:pc="http://schemas.microsoft.com/office/infopath/2007/PartnerControls">
-  <documentManagement>
-    <LocPublishedLinkedAssetsLookup xmlns="4873beb7-5857-4685-be1f-d57550cc96cc" xsi:nil="true"/>
-    <ApprovalStatus xmlns="4873beb7-5857-4685-be1f-d57550cc96cc">InProgress</ApprovalStatus>
-    <MarketSpecific xmlns="4873beb7-5857-4685-be1f-d57550cc96cc">false</MarketSpecific>
-    <LocComments xmlns="4873beb7-5857-4685-be1f-d57550cc96cc" xsi:nil="true"/>
-    <LocLastLocAttemptVersionTypeLookup xmlns="4873beb7-5857-4685-be1f-d57550cc96cc" xsi:nil="true"/>
-    <DirectSourceMarket xmlns="4873beb7-5857-4685-be1f-d57550cc96cc" xsi:nil="true"/>
-    <ThumbnailAssetId xmlns="4873beb7-5857-4685-be1f-d57550cc96cc" xsi:nil="true"/>
-    <PrimaryImageGen xmlns="4873beb7-5857-4685-be1f-d57550cc96cc">false</PrimaryImageGen>
-    <LocNewPublishedVersionLookup xmlns="4873beb7-5857-4685-be1f-d57550cc96cc" xsi:nil="true"/>
-    <LegacyData xmlns="4873beb7-5857-4685-be1f-d57550cc96cc" xsi:nil="true"/>
-    <LocRecommendedHandoff xmlns="4873beb7-5857-4685-be1f-d57550cc96cc" xsi:nil="true"/>
-    <BusinessGroup xmlns="4873beb7-5857-4685-be1f-d57550cc96cc" xsi:nil="true"/>
-    <BlockPublish xmlns="4873beb7-5857-4685-be1f-d57550cc96cc">false</BlockPublish>
-    <TPFriendlyName xmlns="4873beb7-5857-4685-be1f-d57550cc96cc" xsi:nil="true"/>
-    <LocOverallPublishStatusLookup xmlns="4873beb7-5857-4685-be1f-d57550cc96cc" xsi:nil="true"/>
-    <NumericId xmlns="4873beb7-5857-4685-be1f-d57550cc96cc" xsi:nil="true"/>
-    <APEditor xmlns="4873beb7-5857-4685-be1f-d57550cc96cc">
-      <UserInfo>
-        <DisplayName/>
-        <AccountId xsi:nil="true"/>
-        <AccountType/>
-      </UserInfo>
-    </APEditor>
-    <SourceTitle xmlns="4873beb7-5857-4685-be1f-d57550cc96cc" xsi:nil="true"/>
-    <OpenTemplate xmlns="4873beb7-5857-4685-be1f-d57550cc96cc">true</OpenTemplate>
-    <LocOverallLocStatusLookup xmlns="4873beb7-5857-4685-be1f-d57550cc96cc" xsi:nil="true"/>
-    <UALocComments xmlns="4873beb7-5857-4685-be1f-d57550cc96cc" xsi:nil="true"/>
-    <ParentAssetId xmlns="4873beb7-5857-4685-be1f-d57550cc96cc" xsi:nil="true"/>
-    <IntlLangReviewDate xmlns="4873beb7-5857-4685-be1f-d57550cc96cc" xsi:nil="true"/>
-    <FeatureTagsTaxHTField0 xmlns="4873beb7-5857-4685-be1f-d57550cc96cc">
-      <Terms xmlns="http://schemas.microsoft.com/office/infopath/2007/PartnerControls"/>
-    </FeatureTagsTaxHTField0>
-    <PublishStatusLookup xmlns="4873beb7-5857-4685-be1f-d57550cc96cc">
-      <Value>1345093</Value>
-    </PublishStatusLookup>
-    <Providers xmlns="4873beb7-5857-4685-be1f-d57550cc96cc" xsi:nil="true"/>
-    <MachineTranslated xmlns="4873beb7-5857-4685-be1f-d57550cc96cc">false</MachineTranslated>
-    <OriginalSourceMarket xmlns="4873beb7-5857-4685-be1f-d57550cc96cc" xsi:nil="true"/>
-    <APDescription xmlns="4873beb7-5857-4685-be1f-d57550cc96cc">This simple template design works for technology and  businesses, but it's versatile enough to use in other contexts.  It features multiple slide layouts designed for widescreen (16x9 resolution) and includes a sample SmartArt list and chart that are easily editable.</APDescription>
-    <ClipArtFilename xmlns="4873beb7-5857-4685-be1f-d57550cc96cc" xsi:nil="true"/>
-    <ContentItem xmlns="4873beb7-5857-4685-be1f-d57550cc96cc" xsi:nil="true"/>
-    <TPInstallLocation xmlns="4873beb7-5857-4685-be1f-d57550cc96cc" xsi:nil="true"/>
-    <PublishTargets xmlns="4873beb7-5857-4685-be1f-d57550cc96cc">OfficeOnlineVNext</PublishTargets>
-    <TimesCloned xmlns="4873beb7-5857-4685-be1f-d57550cc96cc" xsi:nil="true"/>
-    <AssetStart xmlns="4873beb7-5857-4685-be1f-d57550cc96cc">2011-11-26T00:30:00+00:00</AssetStart>
-    <Provider xmlns="4873beb7-5857-4685-be1f-d57550cc96cc" xsi:nil="true"/>
-    <AcquiredFrom xmlns="4873beb7-5857-4685-be1f-d57550cc96cc">Internal MS</AcquiredFrom>
-    <FriendlyTitle xmlns="4873beb7-5857-4685-be1f-d57550cc96cc" xsi:nil="true"/>
-    <LastHandOff xmlns="4873beb7-5857-4685-be1f-d57550cc96cc" xsi:nil="true"/>
-    <TPClientViewer xmlns="4873beb7-5857-4685-be1f-d57550cc96cc" xsi:nil="true"/>
-    <TemplateStatus xmlns="4873beb7-5857-4685-be1f-d57550cc96cc">Complete</TemplateStatus>
-    <Downloads xmlns="4873beb7-5857-4685-be1f-d57550cc96cc">0</Downloads>
-    <OOCacheId xmlns="4873beb7-5857-4685-be1f-d57550cc96cc" xsi:nil="true"/>
-    <IsDeleted xmlns="4873beb7-5857-4685-be1f-d57550cc96cc">false</IsDeleted>
-    <LocPublishedDependentAssetsLookup xmlns="4873beb7-5857-4685-be1f-d57550cc96cc" xsi:nil="true"/>
-    <TPExecutable xmlns="4873beb7-5857-4685-be1f-d57550cc96cc" xsi:nil="true"/>
-    <EditorialTags xmlns="4873beb7-5857-4685-be1f-d57550cc96cc" xsi:nil="true"/>
-    <SubmitterId xmlns="4873beb7-5857-4685-be1f-d57550cc96cc" xsi:nil="true"/>
-    <ApprovalLog xmlns="4873beb7-5857-4685-be1f-d57550cc96cc" xsi:nil="true"/>
-    <AssetType xmlns="4873beb7-5857-4685-be1f-d57550cc96cc">TP</AssetType>
-    <BugNumber xmlns="4873beb7-5857-4685-be1f-d57550cc96cc" xsi:nil="true"/>
-    <CSXSubmissionDate xmlns="4873beb7-5857-4685-be1f-d57550cc96cc" xsi:nil="true"/>
-    <CSXUpdate xmlns="4873beb7-5857-4685-be1f-d57550cc96cc">false</CSXUpdate>
-    <Milestone xmlns="4873beb7-5857-4685-be1f-d57550cc96cc" xsi:nil="true"/>
-    <RecommendationsModifier xmlns="4873beb7-5857-4685-be1f-d57550cc96cc" xsi:nil="true"/>
-    <OriginAsset xmlns="4873beb7-5857-4685-be1f-d57550cc96cc" xsi:nil="true"/>
-    <TPComponent xmlns="4873beb7-5857-4685-be1f-d57550cc96cc" xsi:nil="true"/>
-    <AssetId xmlns="4873beb7-5857-4685-be1f-d57550cc96cc">TP102787989</AssetId>
-    <IntlLocPriority xmlns="4873beb7-5857-4685-be1f-d57550cc96cc" xsi:nil="true"/>
-    <PolicheckWords xmlns="4873beb7-5857-4685-be1f-d57550cc96cc" xsi:nil="true"/>
-    <TPLaunchHelpLink xmlns="4873beb7-5857-4685-be1f-d57550cc96cc" xsi:nil="true"/>
-    <TPApplication xmlns="4873beb7-5857-4685-be1f-d57550cc96cc" xsi:nil="true"/>
-    <CrawlForDependencies xmlns="4873beb7-5857-4685-be1f-d57550cc96cc">false</CrawlForDependencies>
-    <HandoffToMSDN xmlns="4873beb7-5857-4685-be1f-d57550cc96cc" xsi:nil="true"/>
-    <PlannedPubDate xmlns="4873beb7-5857-4685-be1f-d57550cc96cc" xsi:nil="true"/>
-    <IntlLangReviewer xmlns="4873beb7-5857-4685-be1f-d57550cc96cc" xsi:nil="true"/>
-    <TrustLevel xmlns="4873beb7-5857-4685-be1f-d57550cc96cc">1 Microsoft Managed Content</TrustLevel>
-    <LocLastLocAttemptVersionLookup xmlns="4873beb7-5857-4685-be1f-d57550cc96cc">694266</LocLastLocAttemptVersionLookup>
-    <LocProcessedForHandoffsLookup xmlns="4873beb7-5857-4685-be1f-d57550cc96cc" xsi:nil="true"/>
-    <IsSearchable xmlns="4873beb7-5857-4685-be1f-d57550cc96cc">true</IsSearchable>
-    <TemplateTemplateType xmlns="4873beb7-5857-4685-be1f-d57550cc96cc">PowerPoint Presentation Template</TemplateTemplateType>
-    <CampaignTagsTaxHTField0 xmlns="4873beb7-5857-4685-be1f-d57550cc96cc">
-      <Terms xmlns="http://schemas.microsoft.com/office/infopath/2007/PartnerControls"/>
-    </CampaignTagsTaxHTField0>
-    <TPNamespace xmlns="4873beb7-5857-4685-be1f-d57550cc96cc" xsi:nil="true"/>
-    <LocOverallPreviewStatusLookup xmlns="4873beb7-5857-4685-be1f-d57550cc96cc" xsi:nil="true"/>
-    <TaxCatchAll xmlns="4873beb7-5857-4685-be1f-d57550cc96cc"/>
-    <Markets xmlns="4873beb7-5857-4685-be1f-d57550cc96cc"/>
-    <UAProjectedTotalWords xmlns="4873beb7-5857-4685-be1f-d57550cc96cc" xsi:nil="true"/>
-    <IntlLangReview xmlns="4873beb7-5857-4685-be1f-d57550cc96cc" xsi:nil="true"/>
-    <OutputCachingOn xmlns="4873beb7-5857-4685-be1f-d57550cc96cc">false</OutputCachingOn>
-    <AverageRating xmlns="4873beb7-5857-4685-be1f-d57550cc96cc" xsi:nil="true"/>
-    <APAuthor xmlns="4873beb7-5857-4685-be1f-d57550cc96cc">
-      <UserInfo>
-        <DisplayName>REDMOND\kristaa</DisplayName>
-        <AccountId>136</AccountId>
-        <AccountType/>
-      </UserInfo>
-    </APAuthor>
-    <LocManualTestRequired xmlns="4873beb7-5857-4685-be1f-d57550cc96cc">false</LocManualTestRequired>
-    <TPCommandLine xmlns="4873beb7-5857-4685-be1f-d57550cc96cc" xsi:nil="true"/>
-    <TPAppVersion xmlns="4873beb7-5857-4685-be1f-d57550cc96cc" xsi:nil="true"/>
-    <EditorialStatus xmlns="4873beb7-5857-4685-be1f-d57550cc96cc">Complete</EditorialStatus>
-    <LastModifiedDateTime xmlns="4873beb7-5857-4685-be1f-d57550cc96cc" xsi:nil="true"/>
-    <ScenarioTagsTaxHTField0 xmlns="4873beb7-5857-4685-be1f-d57550cc96cc">
-      <Terms xmlns="http://schemas.microsoft.com/office/infopath/2007/PartnerControls"/>
-    </ScenarioTagsTaxHTField0>
-    <LocProcessedForMarketsLookup xmlns="4873beb7-5857-4685-be1f-d57550cc96cc" xsi:nil="true"/>
-    <TPLaunchHelpLinkType xmlns="4873beb7-5857-4685-be1f-d57550cc96cc">Template</TPLaunchHelpLinkType>
-    <OriginalRelease xmlns="4873beb7-5857-4685-be1f-d57550cc96cc">15</OriginalRelease>
-    <LocalizationTagsTaxHTField0 xmlns="4873beb7-5857-4685-be1f-d57550cc96cc">
-      <Terms xmlns="http://schemas.microsoft.com/office/infopath/2007/PartnerControls"/>
-    </LocalizationTagsTaxHTField0>
-    <UACurrentWords xmlns="4873beb7-5857-4685-be1f-d57550cc96cc" xsi:nil="true"/>
-    <ArtSampleDocs xmlns="4873beb7-5857-4685-be1f-d57550cc96cc" xsi:nil="true"/>
-    <UALocRecommendation xmlns="4873beb7-5857-4685-be1f-d57550cc96cc">Localize</UALocRecommendation>
-    <Manager xmlns="4873beb7-5857-4685-be1f-d57550cc96cc" xsi:nil="true"/>
-    <LocOverallHandbackStatusLookup xmlns="4873beb7-5857-4685-be1f-d57550cc96cc" xsi:nil="true"/>
-    <ShowIn xmlns="4873beb7-5857-4685-be1f-d57550cc96cc">Show everywhere</ShowIn>
-    <UANotes xmlns="4873beb7-5857-4685-be1f-d57550cc96cc" xsi:nil="true"/>
-    <InternalTagsTaxHTField0 xmlns="4873beb7-5857-4685-be1f-d57550cc96cc">
-      <Terms xmlns="http://schemas.microsoft.com/office/infopath/2007/PartnerControls"/>
-    </InternalTagsTaxHTField0>
-    <CSXHash xmlns="4873beb7-5857-4685-be1f-d57550cc96cc" xsi:nil="true"/>
-    <VoteCount xmlns="4873beb7-5857-4685-be1f-d57550cc96cc" xsi:nil="true"/>
-    <AssetExpire xmlns="4873beb7-5857-4685-be1f-d57550cc96cc">2029-05-12T07:00:00+00:00</AssetExpire>
-    <DSATActionTaken xmlns="4873beb7-5857-4685-be1f-d57550cc96cc" xsi:nil="true"/>
-    <CSXSubmissionMarket xmlns="4873beb7-5857-4685-be1f-d57550cc96cc" xsi:nil="true"/>
-    <LocMarketGroupTiers2 xmlns="4873beb7-5857-4685-be1f-d57550cc96cc" xsi:nil="true"/>
-  </documentManagement>
-</p:properties>
-</file>
-
-<file path=customXml/item2.xml><?xml version="1.0" encoding="utf-8"?>
 <ct:contentTypeSchema xmlns:ct="http://schemas.microsoft.com/office/2006/metadata/contentType" xmlns:ma="http://schemas.microsoft.com/office/2006/metadata/properties/metaAttributes" ct:_="" ma:_="" ma:contentTypeName="TemplateFile" ma:contentTypeID="0x0101006EDDDB5EE6D98C44930B742096920B300400F5B6D36B3EF94B4E9A635CDF2A18F5B8" ma:contentTypeVersion="72" ma:contentTypeDescription="Create a new document." ma:contentTypeScope="" ma:versionID="a23e56308344d904b51738559c3d67c9">
   <xsd:schema xmlns:xsd="http://www.w3.org/2001/XMLSchema" xmlns:xs="http://www.w3.org/2001/XMLSchema" xmlns:p="http://schemas.microsoft.com/office/2006/metadata/properties" xmlns:ns2="4873beb7-5857-4685-be1f-d57550cc96cc" targetNamespace="http://schemas.microsoft.com/office/2006/metadata/properties" ma:root="true" ma:fieldsID="cd0908cc4600e77bf5da051303e00c8d" ns2:_="">
     <xsd:import namespace="4873beb7-5857-4685-be1f-d57550cc96cc"/>
@@ -13476,6 +13525,142 @@
 </ct:contentTypeSchema>
 </file>
 
+<file path=customXml/item2.xml><?xml version="1.0" encoding="utf-8"?>
+<p:properties xmlns:p="http://schemas.microsoft.com/office/2006/metadata/properties" xmlns:xsi="http://www.w3.org/2001/XMLSchema-instance" xmlns:pc="http://schemas.microsoft.com/office/infopath/2007/PartnerControls">
+  <documentManagement>
+    <LocPublishedLinkedAssetsLookup xmlns="4873beb7-5857-4685-be1f-d57550cc96cc" xsi:nil="true"/>
+    <ApprovalStatus xmlns="4873beb7-5857-4685-be1f-d57550cc96cc">InProgress</ApprovalStatus>
+    <MarketSpecific xmlns="4873beb7-5857-4685-be1f-d57550cc96cc">false</MarketSpecific>
+    <LocComments xmlns="4873beb7-5857-4685-be1f-d57550cc96cc" xsi:nil="true"/>
+    <LocLastLocAttemptVersionTypeLookup xmlns="4873beb7-5857-4685-be1f-d57550cc96cc" xsi:nil="true"/>
+    <DirectSourceMarket xmlns="4873beb7-5857-4685-be1f-d57550cc96cc" xsi:nil="true"/>
+    <ThumbnailAssetId xmlns="4873beb7-5857-4685-be1f-d57550cc96cc" xsi:nil="true"/>
+    <PrimaryImageGen xmlns="4873beb7-5857-4685-be1f-d57550cc96cc">false</PrimaryImageGen>
+    <LocNewPublishedVersionLookup xmlns="4873beb7-5857-4685-be1f-d57550cc96cc" xsi:nil="true"/>
+    <LegacyData xmlns="4873beb7-5857-4685-be1f-d57550cc96cc" xsi:nil="true"/>
+    <LocRecommendedHandoff xmlns="4873beb7-5857-4685-be1f-d57550cc96cc" xsi:nil="true"/>
+    <BusinessGroup xmlns="4873beb7-5857-4685-be1f-d57550cc96cc" xsi:nil="true"/>
+    <BlockPublish xmlns="4873beb7-5857-4685-be1f-d57550cc96cc">false</BlockPublish>
+    <TPFriendlyName xmlns="4873beb7-5857-4685-be1f-d57550cc96cc" xsi:nil="true"/>
+    <LocOverallPublishStatusLookup xmlns="4873beb7-5857-4685-be1f-d57550cc96cc" xsi:nil="true"/>
+    <NumericId xmlns="4873beb7-5857-4685-be1f-d57550cc96cc" xsi:nil="true"/>
+    <APEditor xmlns="4873beb7-5857-4685-be1f-d57550cc96cc">
+      <UserInfo>
+        <DisplayName/>
+        <AccountId xsi:nil="true"/>
+        <AccountType/>
+      </UserInfo>
+    </APEditor>
+    <SourceTitle xmlns="4873beb7-5857-4685-be1f-d57550cc96cc" xsi:nil="true"/>
+    <OpenTemplate xmlns="4873beb7-5857-4685-be1f-d57550cc96cc">true</OpenTemplate>
+    <LocOverallLocStatusLookup xmlns="4873beb7-5857-4685-be1f-d57550cc96cc" xsi:nil="true"/>
+    <UALocComments xmlns="4873beb7-5857-4685-be1f-d57550cc96cc" xsi:nil="true"/>
+    <ParentAssetId xmlns="4873beb7-5857-4685-be1f-d57550cc96cc" xsi:nil="true"/>
+    <IntlLangReviewDate xmlns="4873beb7-5857-4685-be1f-d57550cc96cc" xsi:nil="true"/>
+    <FeatureTagsTaxHTField0 xmlns="4873beb7-5857-4685-be1f-d57550cc96cc">
+      <Terms xmlns="http://schemas.microsoft.com/office/infopath/2007/PartnerControls"/>
+    </FeatureTagsTaxHTField0>
+    <PublishStatusLookup xmlns="4873beb7-5857-4685-be1f-d57550cc96cc">
+      <Value>1345093</Value>
+    </PublishStatusLookup>
+    <Providers xmlns="4873beb7-5857-4685-be1f-d57550cc96cc" xsi:nil="true"/>
+    <MachineTranslated xmlns="4873beb7-5857-4685-be1f-d57550cc96cc">false</MachineTranslated>
+    <OriginalSourceMarket xmlns="4873beb7-5857-4685-be1f-d57550cc96cc" xsi:nil="true"/>
+    <APDescription xmlns="4873beb7-5857-4685-be1f-d57550cc96cc">This simple template design works for technology and  businesses, but it's versatile enough to use in other contexts.  It features multiple slide layouts designed for widescreen (16x9 resolution) and includes a sample SmartArt list and chart that are easily editable.</APDescription>
+    <ClipArtFilename xmlns="4873beb7-5857-4685-be1f-d57550cc96cc" xsi:nil="true"/>
+    <ContentItem xmlns="4873beb7-5857-4685-be1f-d57550cc96cc" xsi:nil="true"/>
+    <TPInstallLocation xmlns="4873beb7-5857-4685-be1f-d57550cc96cc" xsi:nil="true"/>
+    <PublishTargets xmlns="4873beb7-5857-4685-be1f-d57550cc96cc">OfficeOnlineVNext</PublishTargets>
+    <TimesCloned xmlns="4873beb7-5857-4685-be1f-d57550cc96cc" xsi:nil="true"/>
+    <AssetStart xmlns="4873beb7-5857-4685-be1f-d57550cc96cc">2011-11-26T00:30:00+00:00</AssetStart>
+    <Provider xmlns="4873beb7-5857-4685-be1f-d57550cc96cc" xsi:nil="true"/>
+    <AcquiredFrom xmlns="4873beb7-5857-4685-be1f-d57550cc96cc">Internal MS</AcquiredFrom>
+    <FriendlyTitle xmlns="4873beb7-5857-4685-be1f-d57550cc96cc" xsi:nil="true"/>
+    <LastHandOff xmlns="4873beb7-5857-4685-be1f-d57550cc96cc" xsi:nil="true"/>
+    <TPClientViewer xmlns="4873beb7-5857-4685-be1f-d57550cc96cc" xsi:nil="true"/>
+    <TemplateStatus xmlns="4873beb7-5857-4685-be1f-d57550cc96cc">Complete</TemplateStatus>
+    <Downloads xmlns="4873beb7-5857-4685-be1f-d57550cc96cc">0</Downloads>
+    <OOCacheId xmlns="4873beb7-5857-4685-be1f-d57550cc96cc" xsi:nil="true"/>
+    <IsDeleted xmlns="4873beb7-5857-4685-be1f-d57550cc96cc">false</IsDeleted>
+    <LocPublishedDependentAssetsLookup xmlns="4873beb7-5857-4685-be1f-d57550cc96cc" xsi:nil="true"/>
+    <TPExecutable xmlns="4873beb7-5857-4685-be1f-d57550cc96cc" xsi:nil="true"/>
+    <EditorialTags xmlns="4873beb7-5857-4685-be1f-d57550cc96cc" xsi:nil="true"/>
+    <SubmitterId xmlns="4873beb7-5857-4685-be1f-d57550cc96cc" xsi:nil="true"/>
+    <ApprovalLog xmlns="4873beb7-5857-4685-be1f-d57550cc96cc" xsi:nil="true"/>
+    <AssetType xmlns="4873beb7-5857-4685-be1f-d57550cc96cc">TP</AssetType>
+    <BugNumber xmlns="4873beb7-5857-4685-be1f-d57550cc96cc" xsi:nil="true"/>
+    <CSXSubmissionDate xmlns="4873beb7-5857-4685-be1f-d57550cc96cc" xsi:nil="true"/>
+    <CSXUpdate xmlns="4873beb7-5857-4685-be1f-d57550cc96cc">false</CSXUpdate>
+    <Milestone xmlns="4873beb7-5857-4685-be1f-d57550cc96cc" xsi:nil="true"/>
+    <RecommendationsModifier xmlns="4873beb7-5857-4685-be1f-d57550cc96cc" xsi:nil="true"/>
+    <OriginAsset xmlns="4873beb7-5857-4685-be1f-d57550cc96cc" xsi:nil="true"/>
+    <TPComponent xmlns="4873beb7-5857-4685-be1f-d57550cc96cc" xsi:nil="true"/>
+    <AssetId xmlns="4873beb7-5857-4685-be1f-d57550cc96cc">TP102787989</AssetId>
+    <IntlLocPriority xmlns="4873beb7-5857-4685-be1f-d57550cc96cc" xsi:nil="true"/>
+    <PolicheckWords xmlns="4873beb7-5857-4685-be1f-d57550cc96cc" xsi:nil="true"/>
+    <TPLaunchHelpLink xmlns="4873beb7-5857-4685-be1f-d57550cc96cc" xsi:nil="true"/>
+    <TPApplication xmlns="4873beb7-5857-4685-be1f-d57550cc96cc" xsi:nil="true"/>
+    <CrawlForDependencies xmlns="4873beb7-5857-4685-be1f-d57550cc96cc">false</CrawlForDependencies>
+    <HandoffToMSDN xmlns="4873beb7-5857-4685-be1f-d57550cc96cc" xsi:nil="true"/>
+    <PlannedPubDate xmlns="4873beb7-5857-4685-be1f-d57550cc96cc" xsi:nil="true"/>
+    <IntlLangReviewer xmlns="4873beb7-5857-4685-be1f-d57550cc96cc" xsi:nil="true"/>
+    <TrustLevel xmlns="4873beb7-5857-4685-be1f-d57550cc96cc">1 Microsoft Managed Content</TrustLevel>
+    <LocLastLocAttemptVersionLookup xmlns="4873beb7-5857-4685-be1f-d57550cc96cc">694266</LocLastLocAttemptVersionLookup>
+    <LocProcessedForHandoffsLookup xmlns="4873beb7-5857-4685-be1f-d57550cc96cc" xsi:nil="true"/>
+    <IsSearchable xmlns="4873beb7-5857-4685-be1f-d57550cc96cc">true</IsSearchable>
+    <TemplateTemplateType xmlns="4873beb7-5857-4685-be1f-d57550cc96cc">PowerPoint Presentation Template</TemplateTemplateType>
+    <CampaignTagsTaxHTField0 xmlns="4873beb7-5857-4685-be1f-d57550cc96cc">
+      <Terms xmlns="http://schemas.microsoft.com/office/infopath/2007/PartnerControls"/>
+    </CampaignTagsTaxHTField0>
+    <TPNamespace xmlns="4873beb7-5857-4685-be1f-d57550cc96cc" xsi:nil="true"/>
+    <LocOverallPreviewStatusLookup xmlns="4873beb7-5857-4685-be1f-d57550cc96cc" xsi:nil="true"/>
+    <TaxCatchAll xmlns="4873beb7-5857-4685-be1f-d57550cc96cc"/>
+    <Markets xmlns="4873beb7-5857-4685-be1f-d57550cc96cc"/>
+    <UAProjectedTotalWords xmlns="4873beb7-5857-4685-be1f-d57550cc96cc" xsi:nil="true"/>
+    <IntlLangReview xmlns="4873beb7-5857-4685-be1f-d57550cc96cc" xsi:nil="true"/>
+    <OutputCachingOn xmlns="4873beb7-5857-4685-be1f-d57550cc96cc">false</OutputCachingOn>
+    <AverageRating xmlns="4873beb7-5857-4685-be1f-d57550cc96cc" xsi:nil="true"/>
+    <APAuthor xmlns="4873beb7-5857-4685-be1f-d57550cc96cc">
+      <UserInfo>
+        <DisplayName>REDMOND\kristaa</DisplayName>
+        <AccountId>136</AccountId>
+        <AccountType/>
+      </UserInfo>
+    </APAuthor>
+    <LocManualTestRequired xmlns="4873beb7-5857-4685-be1f-d57550cc96cc">false</LocManualTestRequired>
+    <TPCommandLine xmlns="4873beb7-5857-4685-be1f-d57550cc96cc" xsi:nil="true"/>
+    <TPAppVersion xmlns="4873beb7-5857-4685-be1f-d57550cc96cc" xsi:nil="true"/>
+    <EditorialStatus xmlns="4873beb7-5857-4685-be1f-d57550cc96cc">Complete</EditorialStatus>
+    <LastModifiedDateTime xmlns="4873beb7-5857-4685-be1f-d57550cc96cc" xsi:nil="true"/>
+    <ScenarioTagsTaxHTField0 xmlns="4873beb7-5857-4685-be1f-d57550cc96cc">
+      <Terms xmlns="http://schemas.microsoft.com/office/infopath/2007/PartnerControls"/>
+    </ScenarioTagsTaxHTField0>
+    <LocProcessedForMarketsLookup xmlns="4873beb7-5857-4685-be1f-d57550cc96cc" xsi:nil="true"/>
+    <TPLaunchHelpLinkType xmlns="4873beb7-5857-4685-be1f-d57550cc96cc">Template</TPLaunchHelpLinkType>
+    <OriginalRelease xmlns="4873beb7-5857-4685-be1f-d57550cc96cc">15</OriginalRelease>
+    <LocalizationTagsTaxHTField0 xmlns="4873beb7-5857-4685-be1f-d57550cc96cc">
+      <Terms xmlns="http://schemas.microsoft.com/office/infopath/2007/PartnerControls"/>
+    </LocalizationTagsTaxHTField0>
+    <UACurrentWords xmlns="4873beb7-5857-4685-be1f-d57550cc96cc" xsi:nil="true"/>
+    <ArtSampleDocs xmlns="4873beb7-5857-4685-be1f-d57550cc96cc" xsi:nil="true"/>
+    <UALocRecommendation xmlns="4873beb7-5857-4685-be1f-d57550cc96cc">Localize</UALocRecommendation>
+    <Manager xmlns="4873beb7-5857-4685-be1f-d57550cc96cc" xsi:nil="true"/>
+    <LocOverallHandbackStatusLookup xmlns="4873beb7-5857-4685-be1f-d57550cc96cc" xsi:nil="true"/>
+    <ShowIn xmlns="4873beb7-5857-4685-be1f-d57550cc96cc">Show everywhere</ShowIn>
+    <UANotes xmlns="4873beb7-5857-4685-be1f-d57550cc96cc" xsi:nil="true"/>
+    <InternalTagsTaxHTField0 xmlns="4873beb7-5857-4685-be1f-d57550cc96cc">
+      <Terms xmlns="http://schemas.microsoft.com/office/infopath/2007/PartnerControls"/>
+    </InternalTagsTaxHTField0>
+    <CSXHash xmlns="4873beb7-5857-4685-be1f-d57550cc96cc" xsi:nil="true"/>
+    <VoteCount xmlns="4873beb7-5857-4685-be1f-d57550cc96cc" xsi:nil="true"/>
+    <AssetExpire xmlns="4873beb7-5857-4685-be1f-d57550cc96cc">2029-05-12T07:00:00+00:00</AssetExpire>
+    <DSATActionTaken xmlns="4873beb7-5857-4685-be1f-d57550cc96cc" xsi:nil="true"/>
+    <CSXSubmissionMarket xmlns="4873beb7-5857-4685-be1f-d57550cc96cc" xsi:nil="true"/>
+    <LocMarketGroupTiers2 xmlns="4873beb7-5857-4685-be1f-d57550cc96cc" xsi:nil="true"/>
+  </documentManagement>
+</p:properties>
+</file>
+
 <file path=customXml/item3.xml><?xml version="1.0" encoding="utf-8"?>
 <?mso-contentType ?>
 <FormTemplates xmlns="http://schemas.microsoft.com/sharepoint/v3/contenttype/forms">
@@ -13486,22 +13671,6 @@
 </file>
 
 <file path=customXml/itemProps1.xml><?xml version="1.0" encoding="utf-8"?>
-<ds:datastoreItem xmlns:ds="http://schemas.openxmlformats.org/officeDocument/2006/customXml" ds:itemID="{60C67BEE-D13F-4BD2-98A5-34D8A0977F68}">
-  <ds:schemaRefs>
-    <ds:schemaRef ds:uri="4873beb7-5857-4685-be1f-d57550cc96cc"/>
-    <ds:schemaRef ds:uri="http://schemas.openxmlformats.org/package/2006/metadata/core-properties"/>
-    <ds:schemaRef ds:uri="http://purl.org/dc/terms/"/>
-    <ds:schemaRef ds:uri="http://schemas.microsoft.com/office/2006/documentManagement/types"/>
-    <ds:schemaRef ds:uri="http://purl.org/dc/elements/1.1/"/>
-    <ds:schemaRef ds:uri="http://schemas.microsoft.com/office/2006/metadata/properties"/>
-    <ds:schemaRef ds:uri="http://schemas.microsoft.com/office/infopath/2007/PartnerControls"/>
-    <ds:schemaRef ds:uri="http://www.w3.org/XML/1998/namespace"/>
-    <ds:schemaRef ds:uri="http://purl.org/dc/dcmitype/"/>
-  </ds:schemaRefs>
-</ds:datastoreItem>
-</file>
-
-<file path=customXml/itemProps2.xml><?xml version="1.0" encoding="utf-8"?>
 <ds:datastoreItem xmlns:ds="http://schemas.openxmlformats.org/officeDocument/2006/customXml" ds:itemID="{A09BF4D4-EF60-4196-BFC3-9462D607978C}">
   <ds:schemaRefs>
     <ds:schemaRef ds:uri="http://schemas.microsoft.com/office/2006/metadata/contentType"/>
@@ -13519,6 +13688,22 @@
 </ds:datastoreItem>
 </file>
 
+<file path=customXml/itemProps2.xml><?xml version="1.0" encoding="utf-8"?>
+<ds:datastoreItem xmlns:ds="http://schemas.openxmlformats.org/officeDocument/2006/customXml" ds:itemID="{60C67BEE-D13F-4BD2-98A5-34D8A0977F68}">
+  <ds:schemaRefs>
+    <ds:schemaRef ds:uri="4873beb7-5857-4685-be1f-d57550cc96cc"/>
+    <ds:schemaRef ds:uri="http://schemas.openxmlformats.org/package/2006/metadata/core-properties"/>
+    <ds:schemaRef ds:uri="http://purl.org/dc/terms/"/>
+    <ds:schemaRef ds:uri="http://schemas.microsoft.com/office/2006/documentManagement/types"/>
+    <ds:schemaRef ds:uri="http://purl.org/dc/elements/1.1/"/>
+    <ds:schemaRef ds:uri="http://schemas.microsoft.com/office/2006/metadata/properties"/>
+    <ds:schemaRef ds:uri="http://schemas.microsoft.com/office/infopath/2007/PartnerControls"/>
+    <ds:schemaRef ds:uri="http://www.w3.org/XML/1998/namespace"/>
+    <ds:schemaRef ds:uri="http://purl.org/dc/dcmitype/"/>
+  </ds:schemaRefs>
+</ds:datastoreItem>
+</file>
+
 <file path=customXml/itemProps3.xml><?xml version="1.0" encoding="utf-8"?>
 <ds:datastoreItem xmlns:ds="http://schemas.openxmlformats.org/officeDocument/2006/customXml" ds:itemID="{3836F65B-1B07-41EE-A0E8-BC6EF3855225}">
   <ds:schemaRefs>
